--- a/android开发教程.pptx
+++ b/android开发教程.pptx
@@ -7595,6 +7595,32 @@
           <a:bodyPr/>
           <a:lstStyle/>
           <a:p>
+            <a:r>
+              <a:rPr lang="en-US" altLang="zh-CN" dirty="0"/>
+              <a:t>1.</a:t>
+            </a:r>
+            <a:r>
+              <a:rPr lang="zh-CN" altLang="en-US" dirty="0"/>
+              <a:t>多线程 </a:t>
+            </a:r>
+            <a:r>
+              <a:rPr lang="en-US" altLang="zh-CN" dirty="0"/>
+              <a:t>Thread + Handler </a:t>
+            </a:r>
+            <a:endParaRPr lang="zh-CN" altLang="en-US" dirty="0"/>
+          </a:p>
+          <a:p>
+            <a:endParaRPr lang="zh-CN" altLang="en-US" dirty="0"/>
+          </a:p>
+          <a:p>
+            <a:r>
+              <a:rPr lang="en-US" altLang="zh-CN" dirty="0"/>
+              <a:t>2.</a:t>
+            </a:r>
+            <a:r>
+              <a:rPr lang="zh-CN" altLang="en-US" dirty="0"/>
+              <a:t>常用方法 </a:t>
+            </a:r>
             <a:endParaRPr lang="zh-CN" altLang="en-US" dirty="0"/>
           </a:p>
         </p:txBody>

--- a/android开发教程.pptx
+++ b/android开发教程.pptx
@@ -7592,7 +7592,9 @@
         </p:nvSpPr>
         <p:spPr/>
         <p:txBody>
-          <a:bodyPr/>
+          <a:bodyPr>
+            <a:normAutofit lnSpcReduction="10000"/>
+          </a:bodyPr>
           <a:lstStyle/>
           <a:p>
             <a:r>
@@ -7613,6 +7615,9 @@
             <a:endParaRPr lang="zh-CN" altLang="en-US" dirty="0"/>
           </a:p>
           <a:p>
+            <a:endParaRPr lang="en-US" altLang="zh-CN" dirty="0"/>
+          </a:p>
+          <a:p>
             <a:r>
               <a:rPr lang="en-US" altLang="zh-CN" dirty="0"/>
               <a:t>2.</a:t>
@@ -7622,6 +7627,45 @@
               <a:t>常用方法 </a:t>
             </a:r>
             <a:endParaRPr lang="zh-CN" altLang="en-US" dirty="0"/>
+          </a:p>
+          <a:p>
+            <a:r>
+              <a:rPr lang="zh-CN" altLang="en-US" sz="2400" dirty="0"/>
+              <a:t>onPreExecute 加载前  doInBackground 加载耗时操作</a:t>
+            </a:r>
+            <a:endParaRPr lang="zh-CN" altLang="en-US" sz="2400" dirty="0"/>
+          </a:p>
+          <a:p>
+            <a:r>
+              <a:rPr lang="zh-CN" altLang="en-US" sz="2400" dirty="0"/>
+              <a:t>onProgressUpdate 主线程刷新进度   onPostExecute  执行完毕  </a:t>
+            </a:r>
+            <a:endParaRPr lang="zh-CN" altLang="en-US" sz="2400" dirty="0"/>
+          </a:p>
+          <a:p>
+            <a:r>
+              <a:rPr lang="zh-CN" altLang="en-US" sz="2400" dirty="0"/>
+              <a:t>onCancelled 取消</a:t>
+            </a:r>
+            <a:endParaRPr lang="zh-CN" altLang="en-US" sz="2400" dirty="0"/>
+          </a:p>
+          <a:p>
+            <a:endParaRPr lang="zh-CN" altLang="en-US" dirty="0"/>
+          </a:p>
+          <a:p>
+            <a:r>
+              <a:rPr lang="en-US" altLang="zh-CN" dirty="0"/>
+              <a:t>3.</a:t>
+            </a:r>
+            <a:r>
+              <a:rPr lang="zh-CN" altLang="en-US" dirty="0"/>
+              <a:t>考虑内存泄漏  弱引用 </a:t>
+            </a:r>
+            <a:r>
+              <a:rPr lang="en-US" altLang="zh-CN" dirty="0"/>
+              <a:t>+ static</a:t>
+            </a:r>
+            <a:endParaRPr lang="en-US" altLang="zh-CN" dirty="0"/>
           </a:p>
         </p:txBody>
       </p:sp>
@@ -7696,7 +7740,81 @@
           <a:bodyPr/>
           <a:lstStyle/>
           <a:p>
-            <a:endParaRPr lang="zh-CN" altLang="en-US" dirty="0"/>
+            <a:r>
+              <a:rPr lang="en-US" altLang="zh-CN" dirty="0"/>
+              <a:t>1.</a:t>
+            </a:r>
+            <a:r>
+              <a:rPr lang="zh-CN" altLang="en-US" dirty="0"/>
+              <a:t>文件保存主要三个途径</a:t>
+            </a:r>
+            <a:r>
+              <a:rPr lang="en-US" altLang="zh-CN" dirty="0"/>
+              <a:t>: sharedPreference   Sqlite(</a:t>
+            </a:r>
+            <a:r>
+              <a:rPr lang="zh-CN" altLang="en-US" dirty="0"/>
+              <a:t>数据库</a:t>
+            </a:r>
+            <a:r>
+              <a:rPr lang="en-US" altLang="zh-CN" dirty="0"/>
+              <a:t>)   File</a:t>
+            </a:r>
+            <a:r>
+              <a:rPr lang="zh-CN" altLang="en-US" dirty="0"/>
+              <a:t>保存  </a:t>
+            </a:r>
+            <a:endParaRPr lang="zh-CN" altLang="en-US" dirty="0"/>
+          </a:p>
+          <a:p>
+            <a:endParaRPr lang="zh-CN" altLang="en-US" dirty="0"/>
+          </a:p>
+          <a:p>
+            <a:r>
+              <a:rPr lang="en-US" altLang="zh-CN" dirty="0"/>
+              <a:t>2.</a:t>
+            </a:r>
+            <a:r>
+              <a:rPr lang="zh-CN" altLang="en-US" dirty="0"/>
+              <a:t>使用 </a:t>
+            </a:r>
+            <a:endParaRPr lang="zh-CN" altLang="en-US" dirty="0"/>
+          </a:p>
+          <a:p>
+            <a:r>
+              <a:rPr lang="zh-CN" altLang="en-US" sz="2400" dirty="0"/>
+              <a:t>getSharedPreferences 获取</a:t>
+            </a:r>
+            <a:r>
+              <a:rPr lang="en-US" altLang="zh-CN" sz="2400" dirty="0"/>
+              <a:t>sp</a:t>
+            </a:r>
+            <a:r>
+              <a:rPr lang="zh-CN" altLang="en-US" sz="2400" dirty="0"/>
+              <a:t>文件     sp.getString  获取存储的字符串</a:t>
+            </a:r>
+            <a:endParaRPr lang="zh-CN" altLang="en-US" sz="2400" dirty="0"/>
+          </a:p>
+          <a:p>
+            <a:r>
+              <a:rPr lang="zh-CN" altLang="en-US" sz="2400" dirty="0"/>
+              <a:t>.edit() 获取编辑器  </a:t>
+            </a:r>
+            <a:endParaRPr lang="zh-CN" altLang="en-US" sz="2400" dirty="0"/>
+          </a:p>
+          <a:p>
+            <a:r>
+              <a:rPr lang="zh-CN" altLang="en-US" sz="2400" dirty="0"/>
+              <a:t>.putString  保存字符串数据</a:t>
+            </a:r>
+            <a:endParaRPr lang="zh-CN" altLang="en-US" sz="2400" dirty="0"/>
+          </a:p>
+          <a:p>
+            <a:r>
+              <a:rPr lang="zh-CN" altLang="en-US" sz="2400" dirty="0"/>
+              <a:t>.apply 提交保存</a:t>
+            </a:r>
+            <a:endParaRPr lang="zh-CN" altLang="en-US" sz="2400" dirty="0"/>
           </a:p>
         </p:txBody>
       </p:sp>
@@ -7856,6 +7974,48 @@
             </a:r>
             <a:endParaRPr lang="en-US" altLang="zh-CN" dirty="0"/>
           </a:p>
+          <a:p>
+            <a:endParaRPr lang="en-US" altLang="zh-CN" dirty="0"/>
+          </a:p>
+          <a:p>
+            <a:r>
+              <a:rPr lang="en-US" altLang="zh-CN" dirty="0"/>
+              <a:t>2.</a:t>
+            </a:r>
+            <a:r>
+              <a:rPr lang="zh-CN" altLang="en-US" dirty="0"/>
+              <a:t>可拖动  </a:t>
+            </a:r>
+            <a:endParaRPr lang="zh-CN" altLang="en-US" dirty="0"/>
+          </a:p>
+          <a:p>
+            <a:endParaRPr lang="zh-CN" altLang="en-US" dirty="0"/>
+          </a:p>
+          <a:p>
+            <a:r>
+              <a:rPr lang="en-US" altLang="zh-CN" dirty="0"/>
+              <a:t>3.</a:t>
+            </a:r>
+            <a:r>
+              <a:rPr lang="zh-CN" altLang="en-US" dirty="0"/>
+              <a:t>常用方法</a:t>
+            </a:r>
+            <a:endParaRPr lang="zh-CN" altLang="en-US" dirty="0"/>
+          </a:p>
+          <a:p>
+            <a:endParaRPr lang="zh-CN" altLang="en-US" dirty="0"/>
+          </a:p>
+          <a:p>
+            <a:r>
+              <a:rPr lang="en-US" altLang="zh-CN" dirty="0"/>
+              <a:t>4.</a:t>
+            </a:r>
+            <a:r>
+              <a:rPr lang="zh-CN" altLang="en-US" dirty="0"/>
+              <a:t>事件分发原理</a:t>
+            </a:r>
+            <a:endParaRPr lang="zh-CN" altLang="en-US" dirty="0"/>
+          </a:p>
         </p:txBody>
       </p:sp>
     </p:spTree>
@@ -8028,6 +8188,20 @@
             <a:r>
               <a:rPr lang="zh-CN" altLang="en-US" dirty="0"/>
               <a:t>项目名称 一个心情日记  </a:t>
+            </a:r>
+            <a:endParaRPr lang="zh-CN" altLang="en-US" dirty="0"/>
+          </a:p>
+          <a:p>
+            <a:endParaRPr lang="zh-CN" altLang="en-US" dirty="0"/>
+          </a:p>
+          <a:p>
+            <a:r>
+              <a:rPr lang="en-US" altLang="zh-CN" dirty="0"/>
+              <a:t>2.</a:t>
+            </a:r>
+            <a:r>
+              <a:rPr lang="zh-CN" altLang="en-US" dirty="0"/>
+              <a:t>需求 </a:t>
             </a:r>
             <a:endParaRPr lang="zh-CN" altLang="en-US" dirty="0"/>
           </a:p>

--- a/android开发教程.pptx
+++ b/android开发教程.pptx
@@ -6105,7 +6105,11 @@
             </a:r>
             <a:r>
               <a:rPr lang="en-US" altLang="zh-CN" b="1" dirty="0" err="1"/>
-              <a:t>ContentResolver</a:t>
+              <a:t>ContentResolver </a:t>
+            </a:r>
+            <a:r>
+              <a:rPr lang="zh-CN" altLang="en-US" b="1" dirty="0" err="1"/>
+              <a:t>数据增删改查</a:t>
             </a:r>
             <a:endParaRPr lang="en-US" altLang="zh-CN" b="1" dirty="0"/>
           </a:p>
@@ -6140,6 +6144,20 @@
             <a:r>
               <a:rPr lang="zh-CN" altLang="en-US" dirty="0"/>
               <a:t>发布数据时都会有唯一的地址。</a:t>
+            </a:r>
+            <a:endParaRPr lang="zh-CN" altLang="en-US" dirty="0"/>
+          </a:p>
+          <a:p>
+            <a:endParaRPr lang="zh-CN" altLang="en-US" dirty="0"/>
+          </a:p>
+          <a:p>
+            <a:r>
+              <a:rPr lang="en-US" altLang="zh-CN" dirty="0"/>
+              <a:t>3.ContentValues  </a:t>
+            </a:r>
+            <a:r>
+              <a:rPr lang="zh-CN" altLang="en-US" dirty="0"/>
+              <a:t>键值对  修改 增加数据会用到</a:t>
             </a:r>
             <a:endParaRPr lang="zh-CN" altLang="en-US" dirty="0"/>
           </a:p>
@@ -7893,7 +7911,81 @@
           <a:bodyPr/>
           <a:lstStyle/>
           <a:p>
-            <a:endParaRPr lang="zh-CN" altLang="en-US" dirty="0"/>
+            <a:r>
+              <a:rPr lang="zh-CN" altLang="en-US" dirty="0"/>
+              <a:t> mTb.setupWithViewPager(mVp);  绑定</a:t>
+            </a:r>
+            <a:endParaRPr lang="zh-CN" altLang="en-US" dirty="0"/>
+          </a:p>
+          <a:p>
+            <a:endParaRPr lang="zh-CN" altLang="en-US" dirty="0"/>
+          </a:p>
+          <a:p>
+            <a:r>
+              <a:rPr lang="zh-CN" altLang="en-US" dirty="0"/>
+              <a:t>FragmentStatePagerAdapter  设置的适配器</a:t>
+            </a:r>
+            <a:endParaRPr lang="zh-CN" altLang="en-US" dirty="0"/>
+          </a:p>
+          <a:p>
+            <a:endParaRPr lang="zh-CN" altLang="en-US" dirty="0"/>
+          </a:p>
+          <a:p>
+            <a:r>
+              <a:rPr lang="en-US" altLang="zh-CN" dirty="0" err="1">
+                <a:sym typeface="+mn-ea"/>
+              </a:rPr>
+              <a:t>TabLayout </a:t>
+            </a:r>
+            <a:r>
+              <a:rPr lang="zh-CN" altLang="en-US" dirty="0" err="1">
+                <a:sym typeface="+mn-ea"/>
+              </a:rPr>
+              <a:t>代表顶部</a:t>
+            </a:r>
+            <a:r>
+              <a:rPr lang="en-US" altLang="zh-CN" dirty="0" err="1">
+                <a:sym typeface="+mn-ea"/>
+              </a:rPr>
+              <a:t>tab</a:t>
+            </a:r>
+            <a:r>
+              <a:rPr lang="zh-CN" altLang="en-US" dirty="0" err="1">
+                <a:sym typeface="+mn-ea"/>
+              </a:rPr>
+              <a:t>布局</a:t>
+            </a:r>
+            <a:endParaRPr lang="zh-CN" altLang="en-US" dirty="0" err="1">
+              <a:sym typeface="+mn-ea"/>
+            </a:endParaRPr>
+          </a:p>
+          <a:p>
+            <a:endParaRPr lang="zh-CN" altLang="en-US" dirty="0" err="1">
+              <a:sym typeface="+mn-ea"/>
+            </a:endParaRPr>
+          </a:p>
+          <a:p>
+            <a:r>
+              <a:rPr lang="en-US" altLang="zh-CN" dirty="0" err="1">
+                <a:sym typeface="+mn-ea"/>
+              </a:rPr>
+              <a:t>ViewPager  </a:t>
+            </a:r>
+            <a:r>
+              <a:rPr lang="zh-CN" altLang="en-US" dirty="0" err="1">
+                <a:sym typeface="+mn-ea"/>
+              </a:rPr>
+              <a:t>代表底部可切换的</a:t>
+            </a:r>
+            <a:r>
+              <a:rPr lang="en-US" altLang="zh-CN" dirty="0" err="1">
+                <a:sym typeface="+mn-ea"/>
+              </a:rPr>
+              <a:t>view</a:t>
+            </a:r>
+            <a:endParaRPr lang="en-US" altLang="zh-CN" dirty="0" err="1">
+              <a:sym typeface="+mn-ea"/>
+            </a:endParaRPr>
           </a:p>
         </p:txBody>
       </p:sp>

--- a/android开发教程.pptx
+++ b/android开发教程.pptx
@@ -8062,7 +8062,31 @@
             </a:r>
             <a:r>
               <a:rPr lang="en-US" altLang="zh-CN" dirty="0"/>
-              <a:t>view </a:t>
+              <a:t>view   onDraw(</a:t>
+            </a:r>
+            <a:r>
+              <a:rPr lang="zh-CN" altLang="en-US" dirty="0"/>
+              <a:t>画图</a:t>
+            </a:r>
+            <a:r>
+              <a:rPr lang="en-US" altLang="zh-CN" dirty="0"/>
+              <a:t>)  onMeasure(</a:t>
+            </a:r>
+            <a:r>
+              <a:rPr lang="zh-CN" altLang="en-US" dirty="0"/>
+              <a:t>测量</a:t>
+            </a:r>
+            <a:r>
+              <a:rPr lang="en-US" altLang="zh-CN" dirty="0"/>
+              <a:t>)   onLayout(</a:t>
+            </a:r>
+            <a:r>
+              <a:rPr lang="zh-CN" altLang="en-US" dirty="0"/>
+              <a:t>布局</a:t>
+            </a:r>
+            <a:r>
+              <a:rPr lang="en-US" altLang="zh-CN" dirty="0"/>
+              <a:t>)  </a:t>
             </a:r>
             <a:endParaRPr lang="en-US" altLang="zh-CN" dirty="0"/>
           </a:p>
@@ -8076,7 +8100,7 @@
             </a:r>
             <a:r>
               <a:rPr lang="zh-CN" altLang="en-US" dirty="0"/>
-              <a:t>可拖动  </a:t>
+              <a:t>可拖动  setTranslationX  setTranslationY 设置平移距离</a:t>
             </a:r>
             <a:endParaRPr lang="zh-CN" altLang="en-US" dirty="0"/>
           </a:p>
@@ -8090,12 +8114,67 @@
             </a:r>
             <a:r>
               <a:rPr lang="zh-CN" altLang="en-US" dirty="0"/>
-              <a:t>常用方法</a:t>
-            </a:r>
-            <a:endParaRPr lang="zh-CN" altLang="en-US" dirty="0"/>
-          </a:p>
-          <a:p>
-            <a:endParaRPr lang="zh-CN" altLang="en-US" dirty="0"/>
+              <a:t>常用方法 </a:t>
+            </a:r>
+            <a:endParaRPr lang="zh-CN" altLang="en-US" dirty="0"/>
+          </a:p>
+          <a:p>
+            <a:r>
+              <a:rPr lang="zh-CN" altLang="en-US" sz="2400" dirty="0"/>
+              <a:t>dispatchTouchEvent </a:t>
+            </a:r>
+            <a:r>
+              <a:rPr lang="en-US" altLang="zh-CN" sz="2400" dirty="0"/>
+              <a:t>(</a:t>
+            </a:r>
+            <a:r>
+              <a:rPr lang="zh-CN" altLang="en-US" sz="2400" dirty="0"/>
+              <a:t>分发</a:t>
+            </a:r>
+            <a:r>
+              <a:rPr lang="en-US" altLang="zh-CN" sz="2400" dirty="0"/>
+              <a:t>)</a:t>
+            </a:r>
+            <a:r>
+              <a:rPr lang="zh-CN" altLang="en-US" sz="2400" dirty="0"/>
+              <a:t> onInterceptTouchEvent</a:t>
+            </a:r>
+            <a:r>
+              <a:rPr lang="en-US" altLang="zh-CN" sz="2400" dirty="0"/>
+              <a:t>(</a:t>
+            </a:r>
+            <a:r>
+              <a:rPr lang="zh-CN" altLang="en-US" sz="2400" dirty="0"/>
+              <a:t>拦截</a:t>
+            </a:r>
+            <a:r>
+              <a:rPr lang="en-US" altLang="zh-CN" sz="2400" dirty="0"/>
+              <a:t>)</a:t>
+            </a:r>
+            <a:endParaRPr lang="zh-CN" altLang="en-US" sz="2400" dirty="0"/>
+          </a:p>
+          <a:p>
+            <a:r>
+              <a:rPr lang="zh-CN" altLang="en-US" sz="2400" dirty="0"/>
+              <a:t>onTouchEvent</a:t>
+            </a:r>
+            <a:r>
+              <a:rPr lang="en-US" altLang="zh-CN" sz="2400" dirty="0"/>
+              <a:t>(</a:t>
+            </a:r>
+            <a:r>
+              <a:rPr lang="zh-CN" altLang="en-US" sz="2400" dirty="0"/>
+              <a:t>触摸  </a:t>
+            </a:r>
+            <a:r>
+              <a:rPr lang="en-US" altLang="zh-CN" sz="2400" dirty="0"/>
+              <a:t>Down  Up Move </a:t>
+            </a:r>
+            <a:r>
+              <a:rPr lang="en-US" altLang="zh-CN" sz="2400" dirty="0"/>
+              <a:t>)</a:t>
+            </a:r>
+            <a:endParaRPr lang="zh-CN" altLang="en-US" sz="2400" dirty="0"/>
           </a:p>
           <a:p>
             <a:r>
@@ -8293,7 +8372,81 @@
             </a:r>
             <a:r>
               <a:rPr lang="zh-CN" altLang="en-US" dirty="0"/>
-              <a:t>需求 </a:t>
+              <a:t>需求页面  </a:t>
+            </a:r>
+            <a:r>
+              <a:rPr lang="en-US" altLang="zh-CN" dirty="0"/>
+              <a:t>1)</a:t>
+            </a:r>
+            <a:r>
+              <a:rPr lang="zh-CN" altLang="en-US" dirty="0"/>
+              <a:t>启动页   </a:t>
+            </a:r>
+            <a:r>
+              <a:rPr lang="en-US" altLang="zh-CN" dirty="0"/>
+              <a:t>2)</a:t>
+            </a:r>
+            <a:r>
+              <a:rPr lang="zh-CN" altLang="en-US" dirty="0"/>
+              <a:t>首页</a:t>
+            </a:r>
+            <a:r>
+              <a:rPr lang="en-US" altLang="zh-CN" dirty="0"/>
+              <a:t>Tab   3)</a:t>
+            </a:r>
+            <a:r>
+              <a:rPr lang="zh-CN" altLang="en-US" dirty="0"/>
+              <a:t>个人信息页面   </a:t>
+            </a:r>
+            <a:r>
+              <a:rPr lang="en-US" altLang="zh-CN" dirty="0"/>
+              <a:t>4)</a:t>
+            </a:r>
+            <a:r>
+              <a:rPr lang="zh-CN" altLang="en-US" dirty="0"/>
+              <a:t>登录 注册页   </a:t>
+            </a:r>
+            <a:r>
+              <a:rPr lang="en-US" altLang="zh-CN" dirty="0"/>
+              <a:t>5)</a:t>
+            </a:r>
+            <a:r>
+              <a:rPr lang="zh-CN" altLang="en-US" dirty="0"/>
+              <a:t>录入增加一条日记页  </a:t>
+            </a:r>
+            <a:endParaRPr lang="zh-CN" altLang="en-US" dirty="0"/>
+          </a:p>
+          <a:p>
+            <a:endParaRPr lang="zh-CN" altLang="en-US" dirty="0"/>
+          </a:p>
+          <a:p>
+            <a:r>
+              <a:rPr lang="en-US" altLang="zh-CN" dirty="0"/>
+              <a:t>3.</a:t>
+            </a:r>
+            <a:r>
+              <a:rPr lang="zh-CN" altLang="en-US" dirty="0"/>
+              <a:t>涉及知识点 </a:t>
+            </a:r>
+            <a:r>
+              <a:rPr lang="en-US" altLang="zh-CN" dirty="0"/>
+              <a:t>ViewPager   </a:t>
+            </a:r>
+            <a:r>
+              <a:rPr lang="zh-CN" altLang="en-US" dirty="0"/>
+              <a:t>网络  数据库  </a:t>
+            </a:r>
+            <a:r>
+              <a:rPr lang="en-US" altLang="zh-CN" dirty="0"/>
+              <a:t>SharedPreference  </a:t>
+            </a:r>
+            <a:r>
+              <a:rPr lang="zh-CN" altLang="en-US" dirty="0"/>
+              <a:t>基本</a:t>
+            </a:r>
+            <a:r>
+              <a:rPr lang="zh-CN" altLang="en-US" dirty="0"/>
+              <a:t>控件   </a:t>
             </a:r>
             <a:endParaRPr lang="zh-CN" altLang="en-US" dirty="0"/>
           </a:p>
